--- a/Daktari Bora.pptx
+++ b/Daktari Bora.pptx
@@ -118,6 +118,11 @@
       </a:defRPr>
     </a:lvl9pPr>
   </p:defaultTextStyle>
+  <p:extLst>
+    <p:ext uri="{EFAFB233-063F-42B5-8137-9DF3F51BA10A}">
+      <p15:sldGuideLst xmlns:p15="http://schemas.microsoft.com/office/powerpoint/2012/main"/>
+    </p:ext>
+  </p:extLst>
 </p:presentation>
 </file>
 

--- a/Daktari Bora.pptx
+++ b/Daktari Bora.pptx
@@ -7770,7 +7770,7 @@
           <a:p>
             <a:r>
               <a:rPr lang="en-US" dirty="0"/>
-              <a:t>Presented by: JOHN NDUNGU</a:t>
+              <a:t>Presented by: JOHN NDUNGU KIMOTHO</a:t>
             </a:r>
           </a:p>
           <a:p>
@@ -7919,7 +7919,7 @@
         </p:blipFill>
         <p:spPr>
           <a:xfrm>
-            <a:off x="2339789" y="1761565"/>
+            <a:off x="2019749" y="1432381"/>
             <a:ext cx="8911686" cy="4472325"/>
           </a:xfrm>
         </p:spPr>
@@ -8633,7 +8633,7 @@
             <a:pPr lvl="1"/>
             <a:r>
               <a:rPr lang="en-US" dirty="0"/>
-              <a:t>John Ndungu</a:t>
+              <a:t>John Ndungu Kimotho</a:t>
             </a:r>
           </a:p>
           <a:p>
@@ -9099,10 +9099,10 @@
       </p:sp>
       <p:pic>
         <p:nvPicPr>
-          <p:cNvPr id="5" name="Content Placeholder 4">
+          <p:cNvPr id="7" name="Content Placeholder 6">
             <a:extLst>
               <a:ext uri="{FF2B5EF4-FFF2-40B4-BE49-F238E27FC236}">
-                <a16:creationId xmlns:a16="http://schemas.microsoft.com/office/drawing/2014/main" id="{1452EFF5-824A-B601-A2DC-96FC690B6539}"/>
+                <a16:creationId xmlns:a16="http://schemas.microsoft.com/office/drawing/2014/main" id="{748CD00E-5ABD-5C48-65D4-35479456864B}"/>
               </a:ext>
             </a:extLst>
           </p:cNvPr>
@@ -9127,8 +9127,8 @@
         </p:blipFill>
         <p:spPr>
           <a:xfrm>
-            <a:off x="2756648" y="1247744"/>
-            <a:ext cx="7528968" cy="4986146"/>
+            <a:off x="2770632" y="1452282"/>
+            <a:ext cx="7187184" cy="4781608"/>
           </a:xfrm>
         </p:spPr>
       </p:pic>
@@ -9643,8 +9643,8 @@
         </p:blipFill>
         <p:spPr>
           <a:xfrm>
-            <a:off x="2729753" y="1465729"/>
-            <a:ext cx="8046821" cy="4446121"/>
+            <a:off x="2350008" y="1493161"/>
+            <a:ext cx="8631935" cy="4740729"/>
           </a:xfrm>
         </p:spPr>
       </p:pic>
